--- a/Images/Presentation.pptx
+++ b/Images/Presentation.pptx
@@ -105,6 +105,11 @@
       </a:defRPr>
     </a:lvl9pPr>
   </p:defaultTextStyle>
+  <p:extLst>
+    <p:ext uri="{EFAFB233-063F-42B5-8137-9DF3F51BA10A}">
+      <p15:sldGuideLst xmlns:p15="http://schemas.microsoft.com/office/powerpoint/2012/main"/>
+    </p:ext>
+  </p:extLst>
 </p:presentation>
 </file>
 
@@ -255,7 +260,7 @@
           <a:p>
             <a:fld id="{3D2A3899-4DD2-4917-9186-531DE1115131}" type="datetimeFigureOut">
               <a:rPr lang="en-US" smtClean="0"/>
-              <a:t>12/26/2025</a:t>
+              <a:t>1/7/2026</a:t>
             </a:fld>
             <a:endParaRPr lang="en-US"/>
           </a:p>
@@ -453,7 +458,7 @@
           <a:p>
             <a:fld id="{3D2A3899-4DD2-4917-9186-531DE1115131}" type="datetimeFigureOut">
               <a:rPr lang="en-US" smtClean="0"/>
-              <a:t>12/26/2025</a:t>
+              <a:t>1/7/2026</a:t>
             </a:fld>
             <a:endParaRPr lang="en-US"/>
           </a:p>
@@ -661,7 +666,7 @@
           <a:p>
             <a:fld id="{3D2A3899-4DD2-4917-9186-531DE1115131}" type="datetimeFigureOut">
               <a:rPr lang="en-US" smtClean="0"/>
-              <a:t>12/26/2025</a:t>
+              <a:t>1/7/2026</a:t>
             </a:fld>
             <a:endParaRPr lang="en-US"/>
           </a:p>
@@ -859,7 +864,7 @@
           <a:p>
             <a:fld id="{3D2A3899-4DD2-4917-9186-531DE1115131}" type="datetimeFigureOut">
               <a:rPr lang="en-US" smtClean="0"/>
-              <a:t>12/26/2025</a:t>
+              <a:t>1/7/2026</a:t>
             </a:fld>
             <a:endParaRPr lang="en-US"/>
           </a:p>
@@ -1134,7 +1139,7 @@
           <a:p>
             <a:fld id="{3D2A3899-4DD2-4917-9186-531DE1115131}" type="datetimeFigureOut">
               <a:rPr lang="en-US" smtClean="0"/>
-              <a:t>12/26/2025</a:t>
+              <a:t>1/7/2026</a:t>
             </a:fld>
             <a:endParaRPr lang="en-US"/>
           </a:p>
@@ -1399,7 +1404,7 @@
           <a:p>
             <a:fld id="{3D2A3899-4DD2-4917-9186-531DE1115131}" type="datetimeFigureOut">
               <a:rPr lang="en-US" smtClean="0"/>
-              <a:t>12/26/2025</a:t>
+              <a:t>1/7/2026</a:t>
             </a:fld>
             <a:endParaRPr lang="en-US"/>
           </a:p>
@@ -1811,7 +1816,7 @@
           <a:p>
             <a:fld id="{3D2A3899-4DD2-4917-9186-531DE1115131}" type="datetimeFigureOut">
               <a:rPr lang="en-US" smtClean="0"/>
-              <a:t>12/26/2025</a:t>
+              <a:t>1/7/2026</a:t>
             </a:fld>
             <a:endParaRPr lang="en-US"/>
           </a:p>
@@ -1952,7 +1957,7 @@
           <a:p>
             <a:fld id="{3D2A3899-4DD2-4917-9186-531DE1115131}" type="datetimeFigureOut">
               <a:rPr lang="en-US" smtClean="0"/>
-              <a:t>12/26/2025</a:t>
+              <a:t>1/7/2026</a:t>
             </a:fld>
             <a:endParaRPr lang="en-US"/>
           </a:p>
@@ -2065,7 +2070,7 @@
           <a:p>
             <a:fld id="{3D2A3899-4DD2-4917-9186-531DE1115131}" type="datetimeFigureOut">
               <a:rPr lang="en-US" smtClean="0"/>
-              <a:t>12/26/2025</a:t>
+              <a:t>1/7/2026</a:t>
             </a:fld>
             <a:endParaRPr lang="en-US"/>
           </a:p>
@@ -2376,7 +2381,7 @@
           <a:p>
             <a:fld id="{3D2A3899-4DD2-4917-9186-531DE1115131}" type="datetimeFigureOut">
               <a:rPr lang="en-US" smtClean="0"/>
-              <a:t>12/26/2025</a:t>
+              <a:t>1/7/2026</a:t>
             </a:fld>
             <a:endParaRPr lang="en-US"/>
           </a:p>
@@ -2664,7 +2669,7 @@
           <a:p>
             <a:fld id="{3D2A3899-4DD2-4917-9186-531DE1115131}" type="datetimeFigureOut">
               <a:rPr lang="en-US" smtClean="0"/>
-              <a:t>12/26/2025</a:t>
+              <a:t>1/7/2026</a:t>
             </a:fld>
             <a:endParaRPr lang="en-US"/>
           </a:p>
@@ -2905,7 +2910,7 @@
           <a:p>
             <a:fld id="{3D2A3899-4DD2-4917-9186-531DE1115131}" type="datetimeFigureOut">
               <a:rPr lang="en-US" smtClean="0"/>
-              <a:t>12/26/2025</a:t>
+              <a:t>1/7/2026</a:t>
             </a:fld>
             <a:endParaRPr lang="en-US"/>
           </a:p>

--- a/Images/Presentation.pptx
+++ b/Images/Presentation.pptx
@@ -7,6 +7,7 @@
   <p:sldIdLst>
     <p:sldId id="259" r:id="rId2"/>
     <p:sldId id="260" r:id="rId3"/>
+    <p:sldId id="261" r:id="rId4"/>
   </p:sldIdLst>
   <p:sldSz cx="12192000" cy="6858000"/>
   <p:notesSz cx="6858000" cy="9144000"/>
@@ -4356,6 +4357,503 @@
     <p:extLst>
       <p:ext uri="{BB962C8B-B14F-4D97-AF65-F5344CB8AC3E}">
         <p14:creationId xmlns:p14="http://schemas.microsoft.com/office/powerpoint/2010/main" val="3324928298"/>
+      </p:ext>
+    </p:extLst>
+  </p:cSld>
+  <p:clrMapOvr>
+    <a:masterClrMapping/>
+  </p:clrMapOvr>
+</p:sld>
+</file>
+
+<file path=ppt/slides/slide3.xml><?xml version="1.0" encoding="utf-8"?>
+<p:sld xmlns:a="http://schemas.openxmlformats.org/drawingml/2006/main" xmlns:r="http://schemas.openxmlformats.org/officeDocument/2006/relationships" xmlns:p="http://schemas.openxmlformats.org/presentationml/2006/main">
+  <p:cSld>
+    <p:spTree>
+      <p:nvGrpSpPr>
+        <p:cNvPr id="1" name=""/>
+        <p:cNvGrpSpPr/>
+        <p:nvPr/>
+      </p:nvGrpSpPr>
+      <p:grpSpPr>
+        <a:xfrm>
+          <a:off x="0" y="0"/>
+          <a:ext cx="0" cy="0"/>
+          <a:chOff x="0" y="0"/>
+          <a:chExt cx="0" cy="0"/>
+        </a:xfrm>
+      </p:grpSpPr>
+      <p:sp>
+        <p:nvSpPr>
+          <p:cNvPr id="4" name="Rectangle 3">
+            <a:extLst>
+              <a:ext uri="{FF2B5EF4-FFF2-40B4-BE49-F238E27FC236}">
+                <a16:creationId xmlns:a16="http://schemas.microsoft.com/office/drawing/2014/main" id="{C3DA7D0D-50E3-CF61-1AEF-B644DF7FD183}"/>
+              </a:ext>
+            </a:extLst>
+          </p:cNvPr>
+          <p:cNvSpPr/>
+          <p:nvPr/>
+        </p:nvSpPr>
+        <p:spPr>
+          <a:xfrm>
+            <a:off x="0" y="0"/>
+            <a:ext cx="12192000" cy="6858000"/>
+          </a:xfrm>
+          <a:prstGeom prst="rect">
+            <a:avLst/>
+          </a:prstGeom>
+          <a:solidFill>
+            <a:srgbClr val="EBE1D1"/>
+          </a:solidFill>
+        </p:spPr>
+        <p:style>
+          <a:lnRef idx="2">
+            <a:schemeClr val="accent1">
+              <a:shade val="15000"/>
+            </a:schemeClr>
+          </a:lnRef>
+          <a:fillRef idx="1">
+            <a:schemeClr val="accent1"/>
+          </a:fillRef>
+          <a:effectRef idx="0">
+            <a:schemeClr val="accent1"/>
+          </a:effectRef>
+          <a:fontRef idx="minor">
+            <a:schemeClr val="lt1"/>
+          </a:fontRef>
+        </p:style>
+        <p:txBody>
+          <a:bodyPr rtlCol="0" anchor="ctr"/>
+          <a:lstStyle/>
+          <a:p>
+            <a:pPr algn="ctr"/>
+            <a:endParaRPr lang="en-US"/>
+          </a:p>
+        </p:txBody>
+      </p:sp>
+      <p:sp>
+        <p:nvSpPr>
+          <p:cNvPr id="5" name="Rectangle 4">
+            <a:extLst>
+              <a:ext uri="{FF2B5EF4-FFF2-40B4-BE49-F238E27FC236}">
+                <a16:creationId xmlns:a16="http://schemas.microsoft.com/office/drawing/2014/main" id="{7BC3CB4D-FCED-C8B6-86F7-594BE7D12E2F}"/>
+              </a:ext>
+            </a:extLst>
+          </p:cNvPr>
+          <p:cNvSpPr/>
+          <p:nvPr/>
+        </p:nvSpPr>
+        <p:spPr>
+          <a:xfrm>
+            <a:off x="1" y="0"/>
+            <a:ext cx="12192000" cy="681487"/>
+          </a:xfrm>
+          <a:prstGeom prst="rect">
+            <a:avLst/>
+          </a:prstGeom>
+          <a:solidFill>
+            <a:srgbClr val="0D4715"/>
+          </a:solidFill>
+          <a:effectLst>
+            <a:outerShdw blurRad="50800" dist="38100" dir="5400000" algn="t" rotWithShape="0">
+              <a:prstClr val="black">
+                <a:alpha val="40000"/>
+              </a:prstClr>
+            </a:outerShdw>
+          </a:effectLst>
+        </p:spPr>
+        <p:style>
+          <a:lnRef idx="2">
+            <a:schemeClr val="accent1">
+              <a:shade val="15000"/>
+            </a:schemeClr>
+          </a:lnRef>
+          <a:fillRef idx="1">
+            <a:schemeClr val="accent1"/>
+          </a:fillRef>
+          <a:effectRef idx="0">
+            <a:schemeClr val="accent1"/>
+          </a:effectRef>
+          <a:fontRef idx="minor">
+            <a:schemeClr val="lt1"/>
+          </a:fontRef>
+        </p:style>
+        <p:txBody>
+          <a:bodyPr rtlCol="0" anchor="ctr"/>
+          <a:lstStyle/>
+          <a:p>
+            <a:pPr algn="ctr"/>
+            <a:endParaRPr lang="en-US"/>
+          </a:p>
+        </p:txBody>
+      </p:sp>
+      <p:sp>
+        <p:nvSpPr>
+          <p:cNvPr id="9" name="Rectangle 8">
+            <a:extLst>
+              <a:ext uri="{FF2B5EF4-FFF2-40B4-BE49-F238E27FC236}">
+                <a16:creationId xmlns:a16="http://schemas.microsoft.com/office/drawing/2014/main" id="{5309A067-5B6E-438C-5195-6EE1C96E5A2C}"/>
+              </a:ext>
+            </a:extLst>
+          </p:cNvPr>
+          <p:cNvSpPr/>
+          <p:nvPr/>
+        </p:nvSpPr>
+        <p:spPr>
+          <a:xfrm>
+            <a:off x="2389509" y="866598"/>
+            <a:ext cx="9572445" cy="2700000"/>
+          </a:xfrm>
+          <a:prstGeom prst="rect">
+            <a:avLst/>
+          </a:prstGeom>
+          <a:solidFill>
+            <a:srgbClr val="DDCCB1"/>
+          </a:solidFill>
+          <a:ln w="28575">
+            <a:solidFill>
+              <a:srgbClr val="0D4715"/>
+            </a:solidFill>
+          </a:ln>
+          <a:effectLst>
+            <a:outerShdw blurRad="50800" dist="38100" dir="5400000" algn="t" rotWithShape="0">
+              <a:prstClr val="black">
+                <a:alpha val="40000"/>
+              </a:prstClr>
+            </a:outerShdw>
+          </a:effectLst>
+        </p:spPr>
+        <p:style>
+          <a:lnRef idx="2">
+            <a:schemeClr val="accent1">
+              <a:shade val="15000"/>
+            </a:schemeClr>
+          </a:lnRef>
+          <a:fillRef idx="1">
+            <a:schemeClr val="accent1"/>
+          </a:fillRef>
+          <a:effectRef idx="0">
+            <a:schemeClr val="accent1"/>
+          </a:effectRef>
+          <a:fontRef idx="minor">
+            <a:schemeClr val="lt1"/>
+          </a:fontRef>
+        </p:style>
+        <p:txBody>
+          <a:bodyPr rtlCol="0" anchor="ctr"/>
+          <a:lstStyle/>
+          <a:p>
+            <a:pPr algn="ctr"/>
+            <a:endParaRPr lang="en-US"/>
+          </a:p>
+        </p:txBody>
+      </p:sp>
+      <p:sp>
+        <p:nvSpPr>
+          <p:cNvPr id="3" name="Rectangle 2">
+            <a:extLst>
+              <a:ext uri="{FF2B5EF4-FFF2-40B4-BE49-F238E27FC236}">
+                <a16:creationId xmlns:a16="http://schemas.microsoft.com/office/drawing/2014/main" id="{4A72C29B-CC82-D4B9-0060-99A6D8FC64C5}"/>
+              </a:ext>
+            </a:extLst>
+          </p:cNvPr>
+          <p:cNvSpPr/>
+          <p:nvPr/>
+        </p:nvSpPr>
+        <p:spPr>
+          <a:xfrm>
+            <a:off x="195533" y="941714"/>
+            <a:ext cx="1998451" cy="1492479"/>
+          </a:xfrm>
+          <a:prstGeom prst="rect">
+            <a:avLst/>
+          </a:prstGeom>
+          <a:solidFill>
+            <a:srgbClr val="DDCCB1"/>
+          </a:solidFill>
+          <a:ln w="38100">
+            <a:solidFill>
+              <a:srgbClr val="0D4715"/>
+            </a:solidFill>
+          </a:ln>
+          <a:effectLst>
+            <a:outerShdw blurRad="50800" dist="38100" dir="5400000" algn="t" rotWithShape="0">
+              <a:prstClr val="black">
+                <a:alpha val="40000"/>
+              </a:prstClr>
+            </a:outerShdw>
+          </a:effectLst>
+        </p:spPr>
+        <p:style>
+          <a:lnRef idx="2">
+            <a:schemeClr val="accent1">
+              <a:shade val="15000"/>
+            </a:schemeClr>
+          </a:lnRef>
+          <a:fillRef idx="1">
+            <a:schemeClr val="accent1"/>
+          </a:fillRef>
+          <a:effectRef idx="0">
+            <a:schemeClr val="accent1"/>
+          </a:effectRef>
+          <a:fontRef idx="minor">
+            <a:schemeClr val="lt1"/>
+          </a:fontRef>
+        </p:style>
+        <p:txBody>
+          <a:bodyPr rtlCol="0" anchor="ctr"/>
+          <a:lstStyle/>
+          <a:p>
+            <a:pPr algn="ctr"/>
+            <a:endParaRPr lang="en-US"/>
+          </a:p>
+        </p:txBody>
+      </p:sp>
+      <p:sp>
+        <p:nvSpPr>
+          <p:cNvPr id="7" name="Rectangle 6">
+            <a:extLst>
+              <a:ext uri="{FF2B5EF4-FFF2-40B4-BE49-F238E27FC236}">
+                <a16:creationId xmlns:a16="http://schemas.microsoft.com/office/drawing/2014/main" id="{FDDCF0C0-7F2B-2B35-D6CB-D735C3841EC3}"/>
+              </a:ext>
+            </a:extLst>
+          </p:cNvPr>
+          <p:cNvSpPr/>
+          <p:nvPr/>
+        </p:nvSpPr>
+        <p:spPr>
+          <a:xfrm>
+            <a:off x="214942" y="2662039"/>
+            <a:ext cx="1998451" cy="1163130"/>
+          </a:xfrm>
+          <a:prstGeom prst="rect">
+            <a:avLst/>
+          </a:prstGeom>
+          <a:solidFill>
+            <a:srgbClr val="DDCCB1"/>
+          </a:solidFill>
+          <a:ln w="38100">
+            <a:solidFill>
+              <a:srgbClr val="0D4715"/>
+            </a:solidFill>
+          </a:ln>
+          <a:effectLst>
+            <a:outerShdw blurRad="50800" dist="38100" dir="5400000" algn="t" rotWithShape="0">
+              <a:prstClr val="black">
+                <a:alpha val="40000"/>
+              </a:prstClr>
+            </a:outerShdw>
+          </a:effectLst>
+        </p:spPr>
+        <p:style>
+          <a:lnRef idx="2">
+            <a:schemeClr val="accent1">
+              <a:shade val="15000"/>
+            </a:schemeClr>
+          </a:lnRef>
+          <a:fillRef idx="1">
+            <a:schemeClr val="accent1"/>
+          </a:fillRef>
+          <a:effectRef idx="0">
+            <a:schemeClr val="accent1"/>
+          </a:effectRef>
+          <a:fontRef idx="minor">
+            <a:schemeClr val="lt1"/>
+          </a:fontRef>
+        </p:style>
+        <p:txBody>
+          <a:bodyPr rtlCol="0" anchor="ctr"/>
+          <a:lstStyle/>
+          <a:p>
+            <a:pPr algn="ctr"/>
+            <a:endParaRPr lang="en-US"/>
+          </a:p>
+        </p:txBody>
+      </p:sp>
+      <p:sp>
+        <p:nvSpPr>
+          <p:cNvPr id="8" name="Rectangle 7">
+            <a:extLst>
+              <a:ext uri="{FF2B5EF4-FFF2-40B4-BE49-F238E27FC236}">
+                <a16:creationId xmlns:a16="http://schemas.microsoft.com/office/drawing/2014/main" id="{5CFA9679-EF03-1505-51AF-88E0551ECA31}"/>
+              </a:ext>
+            </a:extLst>
+          </p:cNvPr>
+          <p:cNvSpPr/>
+          <p:nvPr/>
+        </p:nvSpPr>
+        <p:spPr>
+          <a:xfrm>
+            <a:off x="203081" y="4053015"/>
+            <a:ext cx="1998451" cy="1163130"/>
+          </a:xfrm>
+          <a:prstGeom prst="rect">
+            <a:avLst/>
+          </a:prstGeom>
+          <a:solidFill>
+            <a:srgbClr val="DDCCB1"/>
+          </a:solidFill>
+          <a:ln w="38100">
+            <a:solidFill>
+              <a:srgbClr val="0D4715"/>
+            </a:solidFill>
+          </a:ln>
+          <a:effectLst>
+            <a:outerShdw blurRad="50800" dist="38100" dir="5400000" algn="t" rotWithShape="0">
+              <a:prstClr val="black">
+                <a:alpha val="40000"/>
+              </a:prstClr>
+            </a:outerShdw>
+          </a:effectLst>
+        </p:spPr>
+        <p:style>
+          <a:lnRef idx="2">
+            <a:schemeClr val="accent1">
+              <a:shade val="15000"/>
+            </a:schemeClr>
+          </a:lnRef>
+          <a:fillRef idx="1">
+            <a:schemeClr val="accent1"/>
+          </a:fillRef>
+          <a:effectRef idx="0">
+            <a:schemeClr val="accent1"/>
+          </a:effectRef>
+          <a:fontRef idx="minor">
+            <a:schemeClr val="lt1"/>
+          </a:fontRef>
+        </p:style>
+        <p:txBody>
+          <a:bodyPr rtlCol="0" anchor="ctr"/>
+          <a:lstStyle/>
+          <a:p>
+            <a:pPr algn="ctr"/>
+            <a:endParaRPr lang="en-US"/>
+          </a:p>
+        </p:txBody>
+      </p:sp>
+      <p:sp>
+        <p:nvSpPr>
+          <p:cNvPr id="10" name="Rectangle 9">
+            <a:extLst>
+              <a:ext uri="{FF2B5EF4-FFF2-40B4-BE49-F238E27FC236}">
+                <a16:creationId xmlns:a16="http://schemas.microsoft.com/office/drawing/2014/main" id="{1E964C3B-CC1A-518E-44F4-363F61AD7A56}"/>
+              </a:ext>
+            </a:extLst>
+          </p:cNvPr>
+          <p:cNvSpPr/>
+          <p:nvPr/>
+        </p:nvSpPr>
+        <p:spPr>
+          <a:xfrm>
+            <a:off x="195529" y="5443991"/>
+            <a:ext cx="1998451" cy="1163130"/>
+          </a:xfrm>
+          <a:prstGeom prst="rect">
+            <a:avLst/>
+          </a:prstGeom>
+          <a:solidFill>
+            <a:srgbClr val="DDCCB1"/>
+          </a:solidFill>
+          <a:ln w="38100"/>
+          <a:effectLst>
+            <a:outerShdw blurRad="50800" dist="38100" dir="5400000" algn="t" rotWithShape="0">
+              <a:prstClr val="black">
+                <a:alpha val="40000"/>
+              </a:prstClr>
+            </a:outerShdw>
+          </a:effectLst>
+        </p:spPr>
+        <p:style>
+          <a:lnRef idx="2">
+            <a:schemeClr val="accent1">
+              <a:shade val="15000"/>
+            </a:schemeClr>
+          </a:lnRef>
+          <a:fillRef idx="1">
+            <a:schemeClr val="accent1"/>
+          </a:fillRef>
+          <a:effectRef idx="0">
+            <a:schemeClr val="accent1"/>
+          </a:effectRef>
+          <a:fontRef idx="minor">
+            <a:schemeClr val="lt1"/>
+          </a:fontRef>
+        </p:style>
+        <p:txBody>
+          <a:bodyPr rtlCol="0" anchor="ctr"/>
+          <a:lstStyle/>
+          <a:p>
+            <a:pPr algn="ctr"/>
+            <a:endParaRPr lang="en-US"/>
+          </a:p>
+        </p:txBody>
+      </p:sp>
+      <p:sp>
+        <p:nvSpPr>
+          <p:cNvPr id="2" name="Rectangle 1">
+            <a:extLst>
+              <a:ext uri="{FF2B5EF4-FFF2-40B4-BE49-F238E27FC236}">
+                <a16:creationId xmlns:a16="http://schemas.microsoft.com/office/drawing/2014/main" id="{2E99B7AB-4489-3472-AEAE-1CB7C595088C}"/>
+              </a:ext>
+            </a:extLst>
+          </p:cNvPr>
+          <p:cNvSpPr/>
+          <p:nvPr/>
+        </p:nvSpPr>
+        <p:spPr>
+          <a:xfrm>
+            <a:off x="2404613" y="3763647"/>
+            <a:ext cx="9572445" cy="2843474"/>
+          </a:xfrm>
+          <a:prstGeom prst="rect">
+            <a:avLst/>
+          </a:prstGeom>
+          <a:solidFill>
+            <a:srgbClr val="DDCCB1"/>
+          </a:solidFill>
+          <a:ln w="28575">
+            <a:solidFill>
+              <a:srgbClr val="0D4715"/>
+            </a:solidFill>
+          </a:ln>
+          <a:effectLst>
+            <a:outerShdw blurRad="50800" dist="38100" dir="5400000" algn="t" rotWithShape="0">
+              <a:prstClr val="black">
+                <a:alpha val="40000"/>
+              </a:prstClr>
+            </a:outerShdw>
+          </a:effectLst>
+        </p:spPr>
+        <p:style>
+          <a:lnRef idx="2">
+            <a:schemeClr val="accent1">
+              <a:shade val="15000"/>
+            </a:schemeClr>
+          </a:lnRef>
+          <a:fillRef idx="1">
+            <a:schemeClr val="accent1"/>
+          </a:fillRef>
+          <a:effectRef idx="0">
+            <a:schemeClr val="accent1"/>
+          </a:effectRef>
+          <a:fontRef idx="minor">
+            <a:schemeClr val="lt1"/>
+          </a:fontRef>
+        </p:style>
+        <p:txBody>
+          <a:bodyPr rtlCol="0" anchor="ctr"/>
+          <a:lstStyle/>
+          <a:p>
+            <a:pPr algn="ctr"/>
+            <a:endParaRPr lang="en-US"/>
+          </a:p>
+        </p:txBody>
+      </p:sp>
+    </p:spTree>
+    <p:extLst>
+      <p:ext uri="{BB962C8B-B14F-4D97-AF65-F5344CB8AC3E}">
+        <p14:creationId xmlns:p14="http://schemas.microsoft.com/office/powerpoint/2010/main" val="3103190438"/>
       </p:ext>
     </p:extLst>
   </p:cSld>

--- a/Images/Presentation.pptx
+++ b/Images/Presentation.pptx
@@ -6,8 +6,7 @@
   </p:sldMasterIdLst>
   <p:sldIdLst>
     <p:sldId id="259" r:id="rId2"/>
-    <p:sldId id="260" r:id="rId3"/>
-    <p:sldId id="261" r:id="rId4"/>
+    <p:sldId id="261" r:id="rId3"/>
   </p:sldIdLst>
   <p:sldSz cx="12192000" cy="6858000"/>
   <p:notesSz cx="6858000" cy="9144000"/>
@@ -261,7 +260,7 @@
           <a:p>
             <a:fld id="{3D2A3899-4DD2-4917-9186-531DE1115131}" type="datetimeFigureOut">
               <a:rPr lang="en-US" smtClean="0"/>
-              <a:t>1/7/2026</a:t>
+              <a:t>1/8/2026</a:t>
             </a:fld>
             <a:endParaRPr lang="en-US"/>
           </a:p>
@@ -459,7 +458,7 @@
           <a:p>
             <a:fld id="{3D2A3899-4DD2-4917-9186-531DE1115131}" type="datetimeFigureOut">
               <a:rPr lang="en-US" smtClean="0"/>
-              <a:t>1/7/2026</a:t>
+              <a:t>1/8/2026</a:t>
             </a:fld>
             <a:endParaRPr lang="en-US"/>
           </a:p>
@@ -667,7 +666,7 @@
           <a:p>
             <a:fld id="{3D2A3899-4DD2-4917-9186-531DE1115131}" type="datetimeFigureOut">
               <a:rPr lang="en-US" smtClean="0"/>
-              <a:t>1/7/2026</a:t>
+              <a:t>1/8/2026</a:t>
             </a:fld>
             <a:endParaRPr lang="en-US"/>
           </a:p>
@@ -865,7 +864,7 @@
           <a:p>
             <a:fld id="{3D2A3899-4DD2-4917-9186-531DE1115131}" type="datetimeFigureOut">
               <a:rPr lang="en-US" smtClean="0"/>
-              <a:t>1/7/2026</a:t>
+              <a:t>1/8/2026</a:t>
             </a:fld>
             <a:endParaRPr lang="en-US"/>
           </a:p>
@@ -1140,7 +1139,7 @@
           <a:p>
             <a:fld id="{3D2A3899-4DD2-4917-9186-531DE1115131}" type="datetimeFigureOut">
               <a:rPr lang="en-US" smtClean="0"/>
-              <a:t>1/7/2026</a:t>
+              <a:t>1/8/2026</a:t>
             </a:fld>
             <a:endParaRPr lang="en-US"/>
           </a:p>
@@ -1405,7 +1404,7 @@
           <a:p>
             <a:fld id="{3D2A3899-4DD2-4917-9186-531DE1115131}" type="datetimeFigureOut">
               <a:rPr lang="en-US" smtClean="0"/>
-              <a:t>1/7/2026</a:t>
+              <a:t>1/8/2026</a:t>
             </a:fld>
             <a:endParaRPr lang="en-US"/>
           </a:p>
@@ -1817,7 +1816,7 @@
           <a:p>
             <a:fld id="{3D2A3899-4DD2-4917-9186-531DE1115131}" type="datetimeFigureOut">
               <a:rPr lang="en-US" smtClean="0"/>
-              <a:t>1/7/2026</a:t>
+              <a:t>1/8/2026</a:t>
             </a:fld>
             <a:endParaRPr lang="en-US"/>
           </a:p>
@@ -1958,7 +1957,7 @@
           <a:p>
             <a:fld id="{3D2A3899-4DD2-4917-9186-531DE1115131}" type="datetimeFigureOut">
               <a:rPr lang="en-US" smtClean="0"/>
-              <a:t>1/7/2026</a:t>
+              <a:t>1/8/2026</a:t>
             </a:fld>
             <a:endParaRPr lang="en-US"/>
           </a:p>
@@ -2071,7 +2070,7 @@
           <a:p>
             <a:fld id="{3D2A3899-4DD2-4917-9186-531DE1115131}" type="datetimeFigureOut">
               <a:rPr lang="en-US" smtClean="0"/>
-              <a:t>1/7/2026</a:t>
+              <a:t>1/8/2026</a:t>
             </a:fld>
             <a:endParaRPr lang="en-US"/>
           </a:p>
@@ -2382,7 +2381,7 @@
           <a:p>
             <a:fld id="{3D2A3899-4DD2-4917-9186-531DE1115131}" type="datetimeFigureOut">
               <a:rPr lang="en-US" smtClean="0"/>
-              <a:t>1/7/2026</a:t>
+              <a:t>1/8/2026</a:t>
             </a:fld>
             <a:endParaRPr lang="en-US"/>
           </a:p>
@@ -2670,7 +2669,7 @@
           <a:p>
             <a:fld id="{3D2A3899-4DD2-4917-9186-531DE1115131}" type="datetimeFigureOut">
               <a:rPr lang="en-US" smtClean="0"/>
-              <a:t>1/7/2026</a:t>
+              <a:t>1/8/2026</a:t>
             </a:fld>
             <a:endParaRPr lang="en-US"/>
           </a:p>
@@ -2911,7 +2910,7 @@
           <a:p>
             <a:fld id="{3D2A3899-4DD2-4917-9186-531DE1115131}" type="datetimeFigureOut">
               <a:rPr lang="en-US" smtClean="0"/>
-              <a:t>1/7/2026</a:t>
+              <a:t>1/8/2026</a:t>
             </a:fld>
             <a:endParaRPr lang="en-US"/>
           </a:p>
@@ -3448,7 +3447,7 @@
         <p:spPr>
           <a:xfrm>
             <a:off x="2389517" y="819509"/>
-            <a:ext cx="5375695" cy="2777706"/>
+            <a:ext cx="5763882" cy="2777706"/>
           </a:xfrm>
           <a:prstGeom prst="rect">
             <a:avLst/>
@@ -3557,10 +3556,10 @@
       </p:sp>
       <p:sp>
         <p:nvSpPr>
-          <p:cNvPr id="2" name="Rectangle 1">
-            <a:extLst>
-              <a:ext uri="{FF2B5EF4-FFF2-40B4-BE49-F238E27FC236}">
-                <a16:creationId xmlns:a16="http://schemas.microsoft.com/office/drawing/2014/main" id="{457204CF-DA32-F113-7B34-078CE4CCDAD5}"/>
+          <p:cNvPr id="14" name="Rectangle 13">
+            <a:extLst>
+              <a:ext uri="{FF2B5EF4-FFF2-40B4-BE49-F238E27FC236}">
+                <a16:creationId xmlns:a16="http://schemas.microsoft.com/office/drawing/2014/main" id="{7FE161FC-E96B-F4BB-7C56-0210379578FA}"/>
               </a:ext>
             </a:extLst>
           </p:cNvPr>
@@ -3569,7 +3568,129 @@
         </p:nvSpPr>
         <p:spPr>
           <a:xfrm>
-            <a:off x="195533" y="941715"/>
+            <a:off x="8393501" y="819508"/>
+            <a:ext cx="3558397" cy="2777706"/>
+          </a:xfrm>
+          <a:prstGeom prst="rect">
+            <a:avLst/>
+          </a:prstGeom>
+          <a:solidFill>
+            <a:srgbClr val="DDCCB1"/>
+          </a:solidFill>
+          <a:ln w="28575">
+            <a:solidFill>
+              <a:srgbClr val="0D4715"/>
+            </a:solidFill>
+          </a:ln>
+          <a:effectLst>
+            <a:outerShdw blurRad="50800" dist="38100" dir="5400000" algn="t" rotWithShape="0">
+              <a:prstClr val="black">
+                <a:alpha val="40000"/>
+              </a:prstClr>
+            </a:outerShdw>
+          </a:effectLst>
+        </p:spPr>
+        <p:style>
+          <a:lnRef idx="2">
+            <a:schemeClr val="accent1">
+              <a:shade val="15000"/>
+            </a:schemeClr>
+          </a:lnRef>
+          <a:fillRef idx="1">
+            <a:schemeClr val="accent1"/>
+          </a:fillRef>
+          <a:effectRef idx="0">
+            <a:schemeClr val="accent1"/>
+          </a:effectRef>
+          <a:fontRef idx="minor">
+            <a:schemeClr val="lt1"/>
+          </a:fontRef>
+        </p:style>
+        <p:txBody>
+          <a:bodyPr rtlCol="0" anchor="ctr"/>
+          <a:lstStyle/>
+          <a:p>
+            <a:pPr algn="ctr"/>
+            <a:endParaRPr lang="en-US"/>
+          </a:p>
+        </p:txBody>
+      </p:sp>
+      <p:sp>
+        <p:nvSpPr>
+          <p:cNvPr id="3" name="Rectangle 2">
+            <a:extLst>
+              <a:ext uri="{FF2B5EF4-FFF2-40B4-BE49-F238E27FC236}">
+                <a16:creationId xmlns:a16="http://schemas.microsoft.com/office/drawing/2014/main" id="{4A72C29B-CC82-D4B9-0060-99A6D8FC64C5}"/>
+              </a:ext>
+            </a:extLst>
+          </p:cNvPr>
+          <p:cNvSpPr/>
+          <p:nvPr/>
+        </p:nvSpPr>
+        <p:spPr>
+          <a:xfrm>
+            <a:off x="161011" y="5127242"/>
+            <a:ext cx="1998451" cy="1492479"/>
+          </a:xfrm>
+          <a:prstGeom prst="rect">
+            <a:avLst/>
+          </a:prstGeom>
+          <a:solidFill>
+            <a:srgbClr val="DDCCB1"/>
+          </a:solidFill>
+          <a:ln w="38100">
+            <a:solidFill>
+              <a:srgbClr val="0D4715"/>
+            </a:solidFill>
+          </a:ln>
+          <a:effectLst>
+            <a:outerShdw blurRad="50800" dist="38100" dir="5400000" algn="t" rotWithShape="0">
+              <a:prstClr val="black">
+                <a:alpha val="40000"/>
+              </a:prstClr>
+            </a:outerShdw>
+          </a:effectLst>
+        </p:spPr>
+        <p:style>
+          <a:lnRef idx="2">
+            <a:schemeClr val="accent1">
+              <a:shade val="15000"/>
+            </a:schemeClr>
+          </a:lnRef>
+          <a:fillRef idx="1">
+            <a:schemeClr val="accent1"/>
+          </a:fillRef>
+          <a:effectRef idx="0">
+            <a:schemeClr val="accent1"/>
+          </a:effectRef>
+          <a:fontRef idx="minor">
+            <a:schemeClr val="lt1"/>
+          </a:fontRef>
+        </p:style>
+        <p:txBody>
+          <a:bodyPr rtlCol="0" anchor="ctr"/>
+          <a:lstStyle/>
+          <a:p>
+            <a:pPr algn="ctr"/>
+            <a:endParaRPr lang="en-US"/>
+          </a:p>
+        </p:txBody>
+      </p:sp>
+      <p:sp>
+        <p:nvSpPr>
+          <p:cNvPr id="7" name="Rectangle 6">
+            <a:extLst>
+              <a:ext uri="{FF2B5EF4-FFF2-40B4-BE49-F238E27FC236}">
+                <a16:creationId xmlns:a16="http://schemas.microsoft.com/office/drawing/2014/main" id="{FDDCF0C0-7F2B-2B35-D6CB-D735C3841EC3}"/>
+              </a:ext>
+            </a:extLst>
+          </p:cNvPr>
+          <p:cNvSpPr/>
+          <p:nvPr/>
+        </p:nvSpPr>
+        <p:spPr>
+          <a:xfrm>
+            <a:off x="161012" y="920849"/>
             <a:ext cx="1998451" cy="1163130"/>
           </a:xfrm>
           <a:prstGeom prst="rect">
@@ -3618,10 +3739,10 @@
       </p:sp>
       <p:sp>
         <p:nvSpPr>
-          <p:cNvPr id="11" name="Rectangle 10">
-            <a:extLst>
-              <a:ext uri="{FF2B5EF4-FFF2-40B4-BE49-F238E27FC236}">
-                <a16:creationId xmlns:a16="http://schemas.microsoft.com/office/drawing/2014/main" id="{9A5B3BEC-2920-E744-73B6-7724A529E91B}"/>
+          <p:cNvPr id="8" name="Rectangle 7">
+            <a:extLst>
+              <a:ext uri="{FF2B5EF4-FFF2-40B4-BE49-F238E27FC236}">
+                <a16:creationId xmlns:a16="http://schemas.microsoft.com/office/drawing/2014/main" id="{5CFA9679-EF03-1505-51AF-88E0551ECA31}"/>
               </a:ext>
             </a:extLst>
           </p:cNvPr>
@@ -3630,7 +3751,7 @@
         </p:nvSpPr>
         <p:spPr>
           <a:xfrm>
-            <a:off x="195529" y="2426538"/>
+            <a:off x="165309" y="2323341"/>
             <a:ext cx="1998451" cy="1163130"/>
           </a:xfrm>
           <a:prstGeom prst="rect">
@@ -3679,10 +3800,10 @@
       </p:sp>
       <p:sp>
         <p:nvSpPr>
-          <p:cNvPr id="12" name="Rectangle 11">
-            <a:extLst>
-              <a:ext uri="{FF2B5EF4-FFF2-40B4-BE49-F238E27FC236}">
-                <a16:creationId xmlns:a16="http://schemas.microsoft.com/office/drawing/2014/main" id="{536AC8CA-F923-DA8D-857F-B58011D56B12}"/>
+          <p:cNvPr id="10" name="Rectangle 9">
+            <a:extLst>
+              <a:ext uri="{FF2B5EF4-FFF2-40B4-BE49-F238E27FC236}">
+                <a16:creationId xmlns:a16="http://schemas.microsoft.com/office/drawing/2014/main" id="{1E964C3B-CC1A-518E-44F4-363F61AD7A56}"/>
               </a:ext>
             </a:extLst>
           </p:cNvPr>
@@ -3691,68 +3812,7 @@
         </p:nvSpPr>
         <p:spPr>
           <a:xfrm>
-            <a:off x="199842" y="3911361"/>
-            <a:ext cx="1998451" cy="1163130"/>
-          </a:xfrm>
-          <a:prstGeom prst="rect">
-            <a:avLst/>
-          </a:prstGeom>
-          <a:solidFill>
-            <a:srgbClr val="DDCCB1"/>
-          </a:solidFill>
-          <a:ln w="38100">
-            <a:solidFill>
-              <a:srgbClr val="0D4715"/>
-            </a:solidFill>
-          </a:ln>
-          <a:effectLst>
-            <a:outerShdw blurRad="50800" dist="38100" dir="5400000" algn="t" rotWithShape="0">
-              <a:prstClr val="black">
-                <a:alpha val="40000"/>
-              </a:prstClr>
-            </a:outerShdw>
-          </a:effectLst>
-        </p:spPr>
-        <p:style>
-          <a:lnRef idx="2">
-            <a:schemeClr val="accent1">
-              <a:shade val="15000"/>
-            </a:schemeClr>
-          </a:lnRef>
-          <a:fillRef idx="1">
-            <a:schemeClr val="accent1"/>
-          </a:fillRef>
-          <a:effectRef idx="0">
-            <a:schemeClr val="accent1"/>
-          </a:effectRef>
-          <a:fontRef idx="minor">
-            <a:schemeClr val="lt1"/>
-          </a:fontRef>
-        </p:style>
-        <p:txBody>
-          <a:bodyPr rtlCol="0" anchor="ctr"/>
-          <a:lstStyle/>
-          <a:p>
-            <a:pPr algn="ctr"/>
-            <a:endParaRPr lang="en-US"/>
-          </a:p>
-        </p:txBody>
-      </p:sp>
-      <p:sp>
-        <p:nvSpPr>
-          <p:cNvPr id="13" name="Rectangle 12">
-            <a:extLst>
-              <a:ext uri="{FF2B5EF4-FFF2-40B4-BE49-F238E27FC236}">
-                <a16:creationId xmlns:a16="http://schemas.microsoft.com/office/drawing/2014/main" id="{915B2052-69A8-C060-C0AF-CB6A28AE3309}"/>
-              </a:ext>
-            </a:extLst>
-          </p:cNvPr>
-          <p:cNvSpPr/>
-          <p:nvPr/>
-        </p:nvSpPr>
-        <p:spPr>
-          <a:xfrm>
-            <a:off x="195531" y="5334720"/>
+            <a:off x="161012" y="3725833"/>
             <a:ext cx="1998451" cy="1163130"/>
           </a:xfrm>
           <a:prstGeom prst="rect">
@@ -3762,67 +3822,6 @@
             <a:srgbClr val="DDCCB1"/>
           </a:solidFill>
           <a:ln w="38100"/>
-          <a:effectLst>
-            <a:outerShdw blurRad="50800" dist="38100" dir="5400000" algn="t" rotWithShape="0">
-              <a:prstClr val="black">
-                <a:alpha val="40000"/>
-              </a:prstClr>
-            </a:outerShdw>
-          </a:effectLst>
-        </p:spPr>
-        <p:style>
-          <a:lnRef idx="2">
-            <a:schemeClr val="accent1">
-              <a:shade val="15000"/>
-            </a:schemeClr>
-          </a:lnRef>
-          <a:fillRef idx="1">
-            <a:schemeClr val="accent1"/>
-          </a:fillRef>
-          <a:effectRef idx="0">
-            <a:schemeClr val="accent1"/>
-          </a:effectRef>
-          <a:fontRef idx="minor">
-            <a:schemeClr val="lt1"/>
-          </a:fontRef>
-        </p:style>
-        <p:txBody>
-          <a:bodyPr rtlCol="0" anchor="ctr"/>
-          <a:lstStyle/>
-          <a:p>
-            <a:pPr algn="ctr"/>
-            <a:endParaRPr lang="en-US"/>
-          </a:p>
-        </p:txBody>
-      </p:sp>
-      <p:sp>
-        <p:nvSpPr>
-          <p:cNvPr id="14" name="Rectangle 13">
-            <a:extLst>
-              <a:ext uri="{FF2B5EF4-FFF2-40B4-BE49-F238E27FC236}">
-                <a16:creationId xmlns:a16="http://schemas.microsoft.com/office/drawing/2014/main" id="{7FE161FC-E96B-F4BB-7C56-0210379578FA}"/>
-              </a:ext>
-            </a:extLst>
-          </p:cNvPr>
-          <p:cNvSpPr/>
-          <p:nvPr/>
-        </p:nvSpPr>
-        <p:spPr>
-          <a:xfrm>
-            <a:off x="7960745" y="819508"/>
-            <a:ext cx="3991154" cy="2777706"/>
-          </a:xfrm>
-          <a:prstGeom prst="rect">
-            <a:avLst/>
-          </a:prstGeom>
-          <a:solidFill>
-            <a:srgbClr val="DDCCB1"/>
-          </a:solidFill>
-          <a:ln w="28575">
-            <a:solidFill>
-              <a:srgbClr val="0D4715"/>
-            </a:solidFill>
-          </a:ln>
           <a:effectLst>
             <a:outerShdw blurRad="50800" dist="38100" dir="5400000" algn="t" rotWithShape="0">
               <a:prstClr val="black">
@@ -4054,246 +4053,6 @@
       </p:sp>
       <p:sp>
         <p:nvSpPr>
-          <p:cNvPr id="3" name="Rectangle 2">
-            <a:extLst>
-              <a:ext uri="{FF2B5EF4-FFF2-40B4-BE49-F238E27FC236}">
-                <a16:creationId xmlns:a16="http://schemas.microsoft.com/office/drawing/2014/main" id="{4A72C29B-CC82-D4B9-0060-99A6D8FC64C5}"/>
-              </a:ext>
-            </a:extLst>
-          </p:cNvPr>
-          <p:cNvSpPr/>
-          <p:nvPr/>
-        </p:nvSpPr>
-        <p:spPr>
-          <a:xfrm>
-            <a:off x="195533" y="941715"/>
-            <a:ext cx="1998451" cy="1163130"/>
-          </a:xfrm>
-          <a:prstGeom prst="rect">
-            <a:avLst/>
-          </a:prstGeom>
-          <a:solidFill>
-            <a:srgbClr val="DDCCB1"/>
-          </a:solidFill>
-          <a:ln w="38100">
-            <a:solidFill>
-              <a:srgbClr val="0D4715"/>
-            </a:solidFill>
-          </a:ln>
-          <a:effectLst>
-            <a:outerShdw blurRad="50800" dist="38100" dir="5400000" algn="t" rotWithShape="0">
-              <a:prstClr val="black">
-                <a:alpha val="40000"/>
-              </a:prstClr>
-            </a:outerShdw>
-          </a:effectLst>
-        </p:spPr>
-        <p:style>
-          <a:lnRef idx="2">
-            <a:schemeClr val="accent1">
-              <a:shade val="15000"/>
-            </a:schemeClr>
-          </a:lnRef>
-          <a:fillRef idx="1">
-            <a:schemeClr val="accent1"/>
-          </a:fillRef>
-          <a:effectRef idx="0">
-            <a:schemeClr val="accent1"/>
-          </a:effectRef>
-          <a:fontRef idx="minor">
-            <a:schemeClr val="lt1"/>
-          </a:fontRef>
-        </p:style>
-        <p:txBody>
-          <a:bodyPr rtlCol="0" anchor="ctr"/>
-          <a:lstStyle/>
-          <a:p>
-            <a:pPr algn="ctr"/>
-            <a:endParaRPr lang="en-US"/>
-          </a:p>
-        </p:txBody>
-      </p:sp>
-      <p:sp>
-        <p:nvSpPr>
-          <p:cNvPr id="7" name="Rectangle 6">
-            <a:extLst>
-              <a:ext uri="{FF2B5EF4-FFF2-40B4-BE49-F238E27FC236}">
-                <a16:creationId xmlns:a16="http://schemas.microsoft.com/office/drawing/2014/main" id="{FDDCF0C0-7F2B-2B35-D6CB-D735C3841EC3}"/>
-              </a:ext>
-            </a:extLst>
-          </p:cNvPr>
-          <p:cNvSpPr/>
-          <p:nvPr/>
-        </p:nvSpPr>
-        <p:spPr>
-          <a:xfrm>
-            <a:off x="195529" y="2426538"/>
-            <a:ext cx="1998451" cy="1163130"/>
-          </a:xfrm>
-          <a:prstGeom prst="rect">
-            <a:avLst/>
-          </a:prstGeom>
-          <a:solidFill>
-            <a:srgbClr val="DDCCB1"/>
-          </a:solidFill>
-          <a:ln w="38100">
-            <a:solidFill>
-              <a:srgbClr val="0D4715"/>
-            </a:solidFill>
-          </a:ln>
-          <a:effectLst>
-            <a:outerShdw blurRad="50800" dist="38100" dir="5400000" algn="t" rotWithShape="0">
-              <a:prstClr val="black">
-                <a:alpha val="40000"/>
-              </a:prstClr>
-            </a:outerShdw>
-          </a:effectLst>
-        </p:spPr>
-        <p:style>
-          <a:lnRef idx="2">
-            <a:schemeClr val="accent1">
-              <a:shade val="15000"/>
-            </a:schemeClr>
-          </a:lnRef>
-          <a:fillRef idx="1">
-            <a:schemeClr val="accent1"/>
-          </a:fillRef>
-          <a:effectRef idx="0">
-            <a:schemeClr val="accent1"/>
-          </a:effectRef>
-          <a:fontRef idx="minor">
-            <a:schemeClr val="lt1"/>
-          </a:fontRef>
-        </p:style>
-        <p:txBody>
-          <a:bodyPr rtlCol="0" anchor="ctr"/>
-          <a:lstStyle/>
-          <a:p>
-            <a:pPr algn="ctr"/>
-            <a:endParaRPr lang="en-US"/>
-          </a:p>
-        </p:txBody>
-      </p:sp>
-      <p:sp>
-        <p:nvSpPr>
-          <p:cNvPr id="8" name="Rectangle 7">
-            <a:extLst>
-              <a:ext uri="{FF2B5EF4-FFF2-40B4-BE49-F238E27FC236}">
-                <a16:creationId xmlns:a16="http://schemas.microsoft.com/office/drawing/2014/main" id="{5CFA9679-EF03-1505-51AF-88E0551ECA31}"/>
-              </a:ext>
-            </a:extLst>
-          </p:cNvPr>
-          <p:cNvSpPr/>
-          <p:nvPr/>
-        </p:nvSpPr>
-        <p:spPr>
-          <a:xfrm>
-            <a:off x="199842" y="3911361"/>
-            <a:ext cx="1998451" cy="1163130"/>
-          </a:xfrm>
-          <a:prstGeom prst="rect">
-            <a:avLst/>
-          </a:prstGeom>
-          <a:solidFill>
-            <a:srgbClr val="DDCCB1"/>
-          </a:solidFill>
-          <a:ln w="38100">
-            <a:solidFill>
-              <a:srgbClr val="0D4715"/>
-            </a:solidFill>
-          </a:ln>
-          <a:effectLst>
-            <a:outerShdw blurRad="50800" dist="38100" dir="5400000" algn="t" rotWithShape="0">
-              <a:prstClr val="black">
-                <a:alpha val="40000"/>
-              </a:prstClr>
-            </a:outerShdw>
-          </a:effectLst>
-        </p:spPr>
-        <p:style>
-          <a:lnRef idx="2">
-            <a:schemeClr val="accent1">
-              <a:shade val="15000"/>
-            </a:schemeClr>
-          </a:lnRef>
-          <a:fillRef idx="1">
-            <a:schemeClr val="accent1"/>
-          </a:fillRef>
-          <a:effectRef idx="0">
-            <a:schemeClr val="accent1"/>
-          </a:effectRef>
-          <a:fontRef idx="minor">
-            <a:schemeClr val="lt1"/>
-          </a:fontRef>
-        </p:style>
-        <p:txBody>
-          <a:bodyPr rtlCol="0" anchor="ctr"/>
-          <a:lstStyle/>
-          <a:p>
-            <a:pPr algn="ctr"/>
-            <a:endParaRPr lang="en-US"/>
-          </a:p>
-        </p:txBody>
-      </p:sp>
-      <p:sp>
-        <p:nvSpPr>
-          <p:cNvPr id="10" name="Rectangle 9">
-            <a:extLst>
-              <a:ext uri="{FF2B5EF4-FFF2-40B4-BE49-F238E27FC236}">
-                <a16:creationId xmlns:a16="http://schemas.microsoft.com/office/drawing/2014/main" id="{1E964C3B-CC1A-518E-44F4-363F61AD7A56}"/>
-              </a:ext>
-            </a:extLst>
-          </p:cNvPr>
-          <p:cNvSpPr/>
-          <p:nvPr/>
-        </p:nvSpPr>
-        <p:spPr>
-          <a:xfrm>
-            <a:off x="195531" y="5334720"/>
-            <a:ext cx="1998451" cy="1163130"/>
-          </a:xfrm>
-          <a:prstGeom prst="rect">
-            <a:avLst/>
-          </a:prstGeom>
-          <a:solidFill>
-            <a:srgbClr val="DDCCB1"/>
-          </a:solidFill>
-          <a:ln w="38100"/>
-          <a:effectLst>
-            <a:outerShdw blurRad="50800" dist="38100" dir="5400000" algn="t" rotWithShape="0">
-              <a:prstClr val="black">
-                <a:alpha val="40000"/>
-              </a:prstClr>
-            </a:outerShdw>
-          </a:effectLst>
-        </p:spPr>
-        <p:style>
-          <a:lnRef idx="2">
-            <a:schemeClr val="accent1">
-              <a:shade val="15000"/>
-            </a:schemeClr>
-          </a:lnRef>
-          <a:fillRef idx="1">
-            <a:schemeClr val="accent1"/>
-          </a:fillRef>
-          <a:effectRef idx="0">
-            <a:schemeClr val="accent1"/>
-          </a:effectRef>
-          <a:fontRef idx="minor">
-            <a:schemeClr val="lt1"/>
-          </a:fontRef>
-        </p:style>
-        <p:txBody>
-          <a:bodyPr rtlCol="0" anchor="ctr"/>
-          <a:lstStyle/>
-          <a:p>
-            <a:pPr algn="ctr"/>
-            <a:endParaRPr lang="en-US"/>
-          </a:p>
-        </p:txBody>
-      </p:sp>
-      <p:sp>
-        <p:nvSpPr>
           <p:cNvPr id="2" name="Rectangle 1">
             <a:extLst>
               <a:ext uri="{FF2B5EF4-FFF2-40B4-BE49-F238E27FC236}">
@@ -4353,208 +4112,12 @@
           </a:p>
         </p:txBody>
       </p:sp>
-    </p:spTree>
-    <p:extLst>
-      <p:ext uri="{BB962C8B-B14F-4D97-AF65-F5344CB8AC3E}">
-        <p14:creationId xmlns:p14="http://schemas.microsoft.com/office/powerpoint/2010/main" val="3324928298"/>
-      </p:ext>
-    </p:extLst>
-  </p:cSld>
-  <p:clrMapOvr>
-    <a:masterClrMapping/>
-  </p:clrMapOvr>
-</p:sld>
-</file>
-
-<file path=ppt/slides/slide3.xml><?xml version="1.0" encoding="utf-8"?>
-<p:sld xmlns:a="http://schemas.openxmlformats.org/drawingml/2006/main" xmlns:r="http://schemas.openxmlformats.org/officeDocument/2006/relationships" xmlns:p="http://schemas.openxmlformats.org/presentationml/2006/main">
-  <p:cSld>
-    <p:spTree>
-      <p:nvGrpSpPr>
-        <p:cNvPr id="1" name=""/>
-        <p:cNvGrpSpPr/>
-        <p:nvPr/>
-      </p:nvGrpSpPr>
-      <p:grpSpPr>
-        <a:xfrm>
-          <a:off x="0" y="0"/>
-          <a:ext cx="0" cy="0"/>
-          <a:chOff x="0" y="0"/>
-          <a:chExt cx="0" cy="0"/>
-        </a:xfrm>
-      </p:grpSpPr>
-      <p:sp>
-        <p:nvSpPr>
-          <p:cNvPr id="4" name="Rectangle 3">
-            <a:extLst>
-              <a:ext uri="{FF2B5EF4-FFF2-40B4-BE49-F238E27FC236}">
-                <a16:creationId xmlns:a16="http://schemas.microsoft.com/office/drawing/2014/main" id="{C3DA7D0D-50E3-CF61-1AEF-B644DF7FD183}"/>
-              </a:ext>
-            </a:extLst>
-          </p:cNvPr>
-          <p:cNvSpPr/>
-          <p:nvPr/>
-        </p:nvSpPr>
-        <p:spPr>
-          <a:xfrm>
-            <a:off x="0" y="0"/>
-            <a:ext cx="12192000" cy="6858000"/>
-          </a:xfrm>
-          <a:prstGeom prst="rect">
-            <a:avLst/>
-          </a:prstGeom>
-          <a:solidFill>
-            <a:srgbClr val="EBE1D1"/>
-          </a:solidFill>
-        </p:spPr>
-        <p:style>
-          <a:lnRef idx="2">
-            <a:schemeClr val="accent1">
-              <a:shade val="15000"/>
-            </a:schemeClr>
-          </a:lnRef>
-          <a:fillRef idx="1">
-            <a:schemeClr val="accent1"/>
-          </a:fillRef>
-          <a:effectRef idx="0">
-            <a:schemeClr val="accent1"/>
-          </a:effectRef>
-          <a:fontRef idx="minor">
-            <a:schemeClr val="lt1"/>
-          </a:fontRef>
-        </p:style>
-        <p:txBody>
-          <a:bodyPr rtlCol="0" anchor="ctr"/>
-          <a:lstStyle/>
-          <a:p>
-            <a:pPr algn="ctr"/>
-            <a:endParaRPr lang="en-US"/>
-          </a:p>
-        </p:txBody>
-      </p:sp>
-      <p:sp>
-        <p:nvSpPr>
-          <p:cNvPr id="5" name="Rectangle 4">
-            <a:extLst>
-              <a:ext uri="{FF2B5EF4-FFF2-40B4-BE49-F238E27FC236}">
-                <a16:creationId xmlns:a16="http://schemas.microsoft.com/office/drawing/2014/main" id="{7BC3CB4D-FCED-C8B6-86F7-594BE7D12E2F}"/>
-              </a:ext>
-            </a:extLst>
-          </p:cNvPr>
-          <p:cNvSpPr/>
-          <p:nvPr/>
-        </p:nvSpPr>
-        <p:spPr>
-          <a:xfrm>
-            <a:off x="1" y="0"/>
-            <a:ext cx="12192000" cy="681487"/>
-          </a:xfrm>
-          <a:prstGeom prst="rect">
-            <a:avLst/>
-          </a:prstGeom>
-          <a:solidFill>
-            <a:srgbClr val="0D4715"/>
-          </a:solidFill>
-          <a:effectLst>
-            <a:outerShdw blurRad="50800" dist="38100" dir="5400000" algn="t" rotWithShape="0">
-              <a:prstClr val="black">
-                <a:alpha val="40000"/>
-              </a:prstClr>
-            </a:outerShdw>
-          </a:effectLst>
-        </p:spPr>
-        <p:style>
-          <a:lnRef idx="2">
-            <a:schemeClr val="accent1">
-              <a:shade val="15000"/>
-            </a:schemeClr>
-          </a:lnRef>
-          <a:fillRef idx="1">
-            <a:schemeClr val="accent1"/>
-          </a:fillRef>
-          <a:effectRef idx="0">
-            <a:schemeClr val="accent1"/>
-          </a:effectRef>
-          <a:fontRef idx="minor">
-            <a:schemeClr val="lt1"/>
-          </a:fontRef>
-        </p:style>
-        <p:txBody>
-          <a:bodyPr rtlCol="0" anchor="ctr"/>
-          <a:lstStyle/>
-          <a:p>
-            <a:pPr algn="ctr"/>
-            <a:endParaRPr lang="en-US"/>
-          </a:p>
-        </p:txBody>
-      </p:sp>
-      <p:sp>
-        <p:nvSpPr>
-          <p:cNvPr id="9" name="Rectangle 8">
-            <a:extLst>
-              <a:ext uri="{FF2B5EF4-FFF2-40B4-BE49-F238E27FC236}">
-                <a16:creationId xmlns:a16="http://schemas.microsoft.com/office/drawing/2014/main" id="{5309A067-5B6E-438C-5195-6EE1C96E5A2C}"/>
-              </a:ext>
-            </a:extLst>
-          </p:cNvPr>
-          <p:cNvSpPr/>
-          <p:nvPr/>
-        </p:nvSpPr>
-        <p:spPr>
-          <a:xfrm>
-            <a:off x="2389509" y="866598"/>
-            <a:ext cx="9572445" cy="2700000"/>
-          </a:xfrm>
-          <a:prstGeom prst="rect">
-            <a:avLst/>
-          </a:prstGeom>
-          <a:solidFill>
-            <a:srgbClr val="DDCCB1"/>
-          </a:solidFill>
-          <a:ln w="28575">
-            <a:solidFill>
-              <a:srgbClr val="0D4715"/>
-            </a:solidFill>
-          </a:ln>
-          <a:effectLst>
-            <a:outerShdw blurRad="50800" dist="38100" dir="5400000" algn="t" rotWithShape="0">
-              <a:prstClr val="black">
-                <a:alpha val="40000"/>
-              </a:prstClr>
-            </a:outerShdw>
-          </a:effectLst>
-        </p:spPr>
-        <p:style>
-          <a:lnRef idx="2">
-            <a:schemeClr val="accent1">
-              <a:shade val="15000"/>
-            </a:schemeClr>
-          </a:lnRef>
-          <a:fillRef idx="1">
-            <a:schemeClr val="accent1"/>
-          </a:fillRef>
-          <a:effectRef idx="0">
-            <a:schemeClr val="accent1"/>
-          </a:effectRef>
-          <a:fontRef idx="minor">
-            <a:schemeClr val="lt1"/>
-          </a:fontRef>
-        </p:style>
-        <p:txBody>
-          <a:bodyPr rtlCol="0" anchor="ctr"/>
-          <a:lstStyle/>
-          <a:p>
-            <a:pPr algn="ctr"/>
-            <a:endParaRPr lang="en-US"/>
-          </a:p>
-        </p:txBody>
-      </p:sp>
-      <p:sp>
-        <p:nvSpPr>
-          <p:cNvPr id="3" name="Rectangle 2">
-            <a:extLst>
-              <a:ext uri="{FF2B5EF4-FFF2-40B4-BE49-F238E27FC236}">
-                <a16:creationId xmlns:a16="http://schemas.microsoft.com/office/drawing/2014/main" id="{4A72C29B-CC82-D4B9-0060-99A6D8FC64C5}"/>
+      <p:sp>
+        <p:nvSpPr>
+          <p:cNvPr id="6" name="Rectangle 5">
+            <a:extLst>
+              <a:ext uri="{FF2B5EF4-FFF2-40B4-BE49-F238E27FC236}">
+                <a16:creationId xmlns:a16="http://schemas.microsoft.com/office/drawing/2014/main" id="{E947A60D-DFE4-F284-B19B-97A718A5E550}"/>
               </a:ext>
             </a:extLst>
           </p:cNvPr>
@@ -4612,10 +4175,10 @@
       </p:sp>
       <p:sp>
         <p:nvSpPr>
-          <p:cNvPr id="7" name="Rectangle 6">
-            <a:extLst>
-              <a:ext uri="{FF2B5EF4-FFF2-40B4-BE49-F238E27FC236}">
-                <a16:creationId xmlns:a16="http://schemas.microsoft.com/office/drawing/2014/main" id="{FDDCF0C0-7F2B-2B35-D6CB-D735C3841EC3}"/>
+          <p:cNvPr id="11" name="Rectangle 10">
+            <a:extLst>
+              <a:ext uri="{FF2B5EF4-FFF2-40B4-BE49-F238E27FC236}">
+                <a16:creationId xmlns:a16="http://schemas.microsoft.com/office/drawing/2014/main" id="{4CFA7137-8EEE-D3F3-67F9-0E09D5542A0D}"/>
               </a:ext>
             </a:extLst>
           </p:cNvPr>
@@ -4673,10 +4236,10 @@
       </p:sp>
       <p:sp>
         <p:nvSpPr>
-          <p:cNvPr id="8" name="Rectangle 7">
-            <a:extLst>
-              <a:ext uri="{FF2B5EF4-FFF2-40B4-BE49-F238E27FC236}">
-                <a16:creationId xmlns:a16="http://schemas.microsoft.com/office/drawing/2014/main" id="{5CFA9679-EF03-1505-51AF-88E0551ECA31}"/>
+          <p:cNvPr id="12" name="Rectangle 11">
+            <a:extLst>
+              <a:ext uri="{FF2B5EF4-FFF2-40B4-BE49-F238E27FC236}">
+                <a16:creationId xmlns:a16="http://schemas.microsoft.com/office/drawing/2014/main" id="{7286DCCD-C739-776C-9E3E-7113AB1CA9AA}"/>
               </a:ext>
             </a:extLst>
           </p:cNvPr>
@@ -4734,10 +4297,10 @@
       </p:sp>
       <p:sp>
         <p:nvSpPr>
-          <p:cNvPr id="10" name="Rectangle 9">
-            <a:extLst>
-              <a:ext uri="{FF2B5EF4-FFF2-40B4-BE49-F238E27FC236}">
-                <a16:creationId xmlns:a16="http://schemas.microsoft.com/office/drawing/2014/main" id="{1E964C3B-CC1A-518E-44F4-363F61AD7A56}"/>
+          <p:cNvPr id="13" name="Rectangle 12">
+            <a:extLst>
+              <a:ext uri="{FF2B5EF4-FFF2-40B4-BE49-F238E27FC236}">
+                <a16:creationId xmlns:a16="http://schemas.microsoft.com/office/drawing/2014/main" id="{070F5789-9ADA-00E7-E3E0-A808AF9AEA18}"/>
               </a:ext>
             </a:extLst>
           </p:cNvPr>
@@ -4756,67 +4319,6 @@
             <a:srgbClr val="DDCCB1"/>
           </a:solidFill>
           <a:ln w="38100"/>
-          <a:effectLst>
-            <a:outerShdw blurRad="50800" dist="38100" dir="5400000" algn="t" rotWithShape="0">
-              <a:prstClr val="black">
-                <a:alpha val="40000"/>
-              </a:prstClr>
-            </a:outerShdw>
-          </a:effectLst>
-        </p:spPr>
-        <p:style>
-          <a:lnRef idx="2">
-            <a:schemeClr val="accent1">
-              <a:shade val="15000"/>
-            </a:schemeClr>
-          </a:lnRef>
-          <a:fillRef idx="1">
-            <a:schemeClr val="accent1"/>
-          </a:fillRef>
-          <a:effectRef idx="0">
-            <a:schemeClr val="accent1"/>
-          </a:effectRef>
-          <a:fontRef idx="minor">
-            <a:schemeClr val="lt1"/>
-          </a:fontRef>
-        </p:style>
-        <p:txBody>
-          <a:bodyPr rtlCol="0" anchor="ctr"/>
-          <a:lstStyle/>
-          <a:p>
-            <a:pPr algn="ctr"/>
-            <a:endParaRPr lang="en-US"/>
-          </a:p>
-        </p:txBody>
-      </p:sp>
-      <p:sp>
-        <p:nvSpPr>
-          <p:cNvPr id="2" name="Rectangle 1">
-            <a:extLst>
-              <a:ext uri="{FF2B5EF4-FFF2-40B4-BE49-F238E27FC236}">
-                <a16:creationId xmlns:a16="http://schemas.microsoft.com/office/drawing/2014/main" id="{2E99B7AB-4489-3472-AEAE-1CB7C595088C}"/>
-              </a:ext>
-            </a:extLst>
-          </p:cNvPr>
-          <p:cNvSpPr/>
-          <p:nvPr/>
-        </p:nvSpPr>
-        <p:spPr>
-          <a:xfrm>
-            <a:off x="2404613" y="3763647"/>
-            <a:ext cx="9572445" cy="2843474"/>
-          </a:xfrm>
-          <a:prstGeom prst="rect">
-            <a:avLst/>
-          </a:prstGeom>
-          <a:solidFill>
-            <a:srgbClr val="DDCCB1"/>
-          </a:solidFill>
-          <a:ln w="28575">
-            <a:solidFill>
-              <a:srgbClr val="0D4715"/>
-            </a:solidFill>
-          </a:ln>
           <a:effectLst>
             <a:outerShdw blurRad="50800" dist="38100" dir="5400000" algn="t" rotWithShape="0">
               <a:prstClr val="black">
